--- a/ppt 16-9/1590.如果你想知道.pptx
+++ b/ppt 16-9/1590.如果你想知道.pptx
@@ -129,7 +129,7 @@
           <p:cNvPr id="2" name="标题 1">
             <a:extLst>
               <a:ext uri="{FF2B5EF4-FFF2-40B4-BE49-F238E27FC236}">
-                <a16:creationId xmlns:a16="http://schemas.microsoft.com/office/drawing/2014/main" id="{F09F9149-C2A6-C10A-7587-849DEBC14750}"/>
+                <a16:creationId xmlns:a16="http://schemas.microsoft.com/office/drawing/2014/main" id="{F283A550-90E3-B512-DB80-DA54E1C9F913}"/>
               </a:ext>
             </a:extLst>
           </p:cNvPr>
@@ -166,7 +166,7 @@
           <p:cNvPr id="3" name="副标题 2">
             <a:extLst>
               <a:ext uri="{FF2B5EF4-FFF2-40B4-BE49-F238E27FC236}">
-                <a16:creationId xmlns:a16="http://schemas.microsoft.com/office/drawing/2014/main" id="{F97953FD-C760-97B2-EB50-8D04C8AFF815}"/>
+                <a16:creationId xmlns:a16="http://schemas.microsoft.com/office/drawing/2014/main" id="{CEB8F49E-1CC2-5235-BA39-504407C7F7BB}"/>
               </a:ext>
             </a:extLst>
           </p:cNvPr>
@@ -236,7 +236,7 @@
           <p:cNvPr id="4" name="日期占位符 3">
             <a:extLst>
               <a:ext uri="{FF2B5EF4-FFF2-40B4-BE49-F238E27FC236}">
-                <a16:creationId xmlns:a16="http://schemas.microsoft.com/office/drawing/2014/main" id="{A6CA4A7D-91A0-BEC1-1C4E-77D5A71A59C8}"/>
+                <a16:creationId xmlns:a16="http://schemas.microsoft.com/office/drawing/2014/main" id="{B7CC0804-FF16-BF67-D431-C3FDC79F747B}"/>
               </a:ext>
             </a:extLst>
           </p:cNvPr>
@@ -252,7 +252,7 @@
           <a:bodyPr/>
           <a:lstStyle/>
           <a:p>
-            <a:fld id="{66925469-1A7D-4EE2-8C1D-45AADE839410}" type="datetimeFigureOut">
+            <a:fld id="{1A1BC113-6E59-4F1F-A915-DDCBC72443EC}" type="datetimeFigureOut">
               <a:rPr lang="zh-CN" altLang="en-US" smtClean="0"/>
               <a:t>2024/3/10</a:t>
             </a:fld>
@@ -265,7 +265,7 @@
           <p:cNvPr id="5" name="页脚占位符 4">
             <a:extLst>
               <a:ext uri="{FF2B5EF4-FFF2-40B4-BE49-F238E27FC236}">
-                <a16:creationId xmlns:a16="http://schemas.microsoft.com/office/drawing/2014/main" id="{AEE2271D-B3BC-CA29-495F-06F13A1E6304}"/>
+                <a16:creationId xmlns:a16="http://schemas.microsoft.com/office/drawing/2014/main" id="{34193C25-76CD-DDCF-FD44-DDE1A657F2E2}"/>
               </a:ext>
             </a:extLst>
           </p:cNvPr>
@@ -290,7 +290,7 @@
           <p:cNvPr id="6" name="灯片编号占位符 5">
             <a:extLst>
               <a:ext uri="{FF2B5EF4-FFF2-40B4-BE49-F238E27FC236}">
-                <a16:creationId xmlns:a16="http://schemas.microsoft.com/office/drawing/2014/main" id="{850DD84A-FF24-8FF3-B1A4-4D6349EBE8F5}"/>
+                <a16:creationId xmlns:a16="http://schemas.microsoft.com/office/drawing/2014/main" id="{1B3C9C60-D493-234B-710C-79DAA9207B90}"/>
               </a:ext>
             </a:extLst>
           </p:cNvPr>
@@ -306,7 +306,7 @@
           <a:bodyPr/>
           <a:lstStyle/>
           <a:p>
-            <a:fld id="{200C6571-7046-495A-B8EA-5004A30AE1D2}" type="slidenum">
+            <a:fld id="{80D53EFE-ED3A-44C4-9CB9-FD0494737942}" type="slidenum">
               <a:rPr lang="zh-CN" altLang="en-US" smtClean="0"/>
               <a:t>‹#›</a:t>
             </a:fld>
@@ -317,7 +317,7 @@
     </p:spTree>
     <p:extLst>
       <p:ext uri="{BB962C8B-B14F-4D97-AF65-F5344CB8AC3E}">
-        <p14:creationId xmlns:p14="http://schemas.microsoft.com/office/powerpoint/2010/main" val="2140068524"/>
+        <p14:creationId xmlns:p14="http://schemas.microsoft.com/office/powerpoint/2010/main" val="103695233"/>
       </p:ext>
     </p:extLst>
   </p:cSld>
@@ -349,7 +349,7 @@
           <p:cNvPr id="2" name="标题 1">
             <a:extLst>
               <a:ext uri="{FF2B5EF4-FFF2-40B4-BE49-F238E27FC236}">
-                <a16:creationId xmlns:a16="http://schemas.microsoft.com/office/drawing/2014/main" id="{66B24C35-3A34-BD82-9E98-B6166ED0E957}"/>
+                <a16:creationId xmlns:a16="http://schemas.microsoft.com/office/drawing/2014/main" id="{8710EAF4-D167-2A40-3AB6-BA2A3EFD5C84}"/>
               </a:ext>
             </a:extLst>
           </p:cNvPr>
@@ -377,7 +377,7 @@
           <p:cNvPr id="3" name="竖排文字占位符 2">
             <a:extLst>
               <a:ext uri="{FF2B5EF4-FFF2-40B4-BE49-F238E27FC236}">
-                <a16:creationId xmlns:a16="http://schemas.microsoft.com/office/drawing/2014/main" id="{35764CBE-023A-1141-F4BD-6485F8FE2802}"/>
+                <a16:creationId xmlns:a16="http://schemas.microsoft.com/office/drawing/2014/main" id="{A0D7B390-896A-0F9E-963B-580445EA1FF2}"/>
               </a:ext>
             </a:extLst>
           </p:cNvPr>
@@ -434,7 +434,7 @@
           <p:cNvPr id="4" name="日期占位符 3">
             <a:extLst>
               <a:ext uri="{FF2B5EF4-FFF2-40B4-BE49-F238E27FC236}">
-                <a16:creationId xmlns:a16="http://schemas.microsoft.com/office/drawing/2014/main" id="{EC3109A2-6628-48DB-0F90-8787BE040BF0}"/>
+                <a16:creationId xmlns:a16="http://schemas.microsoft.com/office/drawing/2014/main" id="{39E8611D-9E93-CA1F-92CD-16131814BC4E}"/>
               </a:ext>
             </a:extLst>
           </p:cNvPr>
@@ -450,7 +450,7 @@
           <a:bodyPr/>
           <a:lstStyle/>
           <a:p>
-            <a:fld id="{66925469-1A7D-4EE2-8C1D-45AADE839410}" type="datetimeFigureOut">
+            <a:fld id="{1A1BC113-6E59-4F1F-A915-DDCBC72443EC}" type="datetimeFigureOut">
               <a:rPr lang="zh-CN" altLang="en-US" smtClean="0"/>
               <a:t>2024/3/10</a:t>
             </a:fld>
@@ -463,7 +463,7 @@
           <p:cNvPr id="5" name="页脚占位符 4">
             <a:extLst>
               <a:ext uri="{FF2B5EF4-FFF2-40B4-BE49-F238E27FC236}">
-                <a16:creationId xmlns:a16="http://schemas.microsoft.com/office/drawing/2014/main" id="{DFB5F70A-80D4-6BA7-3E54-BB50C019F6FD}"/>
+                <a16:creationId xmlns:a16="http://schemas.microsoft.com/office/drawing/2014/main" id="{DA7D6177-79F6-CFFE-D3FF-A3C4F063998C}"/>
               </a:ext>
             </a:extLst>
           </p:cNvPr>
@@ -488,7 +488,7 @@
           <p:cNvPr id="6" name="灯片编号占位符 5">
             <a:extLst>
               <a:ext uri="{FF2B5EF4-FFF2-40B4-BE49-F238E27FC236}">
-                <a16:creationId xmlns:a16="http://schemas.microsoft.com/office/drawing/2014/main" id="{59272A28-3BBF-4F74-8F65-AE3997EE5C91}"/>
+                <a16:creationId xmlns:a16="http://schemas.microsoft.com/office/drawing/2014/main" id="{A1D3EC17-3739-A410-FD83-1E0FF6797BBC}"/>
               </a:ext>
             </a:extLst>
           </p:cNvPr>
@@ -504,7 +504,7 @@
           <a:bodyPr/>
           <a:lstStyle/>
           <a:p>
-            <a:fld id="{200C6571-7046-495A-B8EA-5004A30AE1D2}" type="slidenum">
+            <a:fld id="{80D53EFE-ED3A-44C4-9CB9-FD0494737942}" type="slidenum">
               <a:rPr lang="zh-CN" altLang="en-US" smtClean="0"/>
               <a:t>‹#›</a:t>
             </a:fld>
@@ -515,7 +515,7 @@
     </p:spTree>
     <p:extLst>
       <p:ext uri="{BB962C8B-B14F-4D97-AF65-F5344CB8AC3E}">
-        <p14:creationId xmlns:p14="http://schemas.microsoft.com/office/powerpoint/2010/main" val="1217292562"/>
+        <p14:creationId xmlns:p14="http://schemas.microsoft.com/office/powerpoint/2010/main" val="1113537291"/>
       </p:ext>
     </p:extLst>
   </p:cSld>
@@ -547,7 +547,7 @@
           <p:cNvPr id="2" name="竖排标题 1">
             <a:extLst>
               <a:ext uri="{FF2B5EF4-FFF2-40B4-BE49-F238E27FC236}">
-                <a16:creationId xmlns:a16="http://schemas.microsoft.com/office/drawing/2014/main" id="{FDC99E87-5A9C-A9A5-CF99-4A1261829BE4}"/>
+                <a16:creationId xmlns:a16="http://schemas.microsoft.com/office/drawing/2014/main" id="{16518EE7-3B80-F3A3-E65B-10B0F3C7C9FA}"/>
               </a:ext>
             </a:extLst>
           </p:cNvPr>
@@ -580,7 +580,7 @@
           <p:cNvPr id="3" name="竖排文字占位符 2">
             <a:extLst>
               <a:ext uri="{FF2B5EF4-FFF2-40B4-BE49-F238E27FC236}">
-                <a16:creationId xmlns:a16="http://schemas.microsoft.com/office/drawing/2014/main" id="{8D9E4327-1B1F-6A6F-96A8-45D680657C3C}"/>
+                <a16:creationId xmlns:a16="http://schemas.microsoft.com/office/drawing/2014/main" id="{C2FCAB4D-5726-1B35-41CA-6B0FF82CB1F9}"/>
               </a:ext>
             </a:extLst>
           </p:cNvPr>
@@ -642,7 +642,7 @@
           <p:cNvPr id="4" name="日期占位符 3">
             <a:extLst>
               <a:ext uri="{FF2B5EF4-FFF2-40B4-BE49-F238E27FC236}">
-                <a16:creationId xmlns:a16="http://schemas.microsoft.com/office/drawing/2014/main" id="{2FB29719-8C56-3A07-1048-187C10294E70}"/>
+                <a16:creationId xmlns:a16="http://schemas.microsoft.com/office/drawing/2014/main" id="{1C85D947-8F3A-F20F-A450-9E542C36E06D}"/>
               </a:ext>
             </a:extLst>
           </p:cNvPr>
@@ -658,7 +658,7 @@
           <a:bodyPr/>
           <a:lstStyle/>
           <a:p>
-            <a:fld id="{66925469-1A7D-4EE2-8C1D-45AADE839410}" type="datetimeFigureOut">
+            <a:fld id="{1A1BC113-6E59-4F1F-A915-DDCBC72443EC}" type="datetimeFigureOut">
               <a:rPr lang="zh-CN" altLang="en-US" smtClean="0"/>
               <a:t>2024/3/10</a:t>
             </a:fld>
@@ -671,7 +671,7 @@
           <p:cNvPr id="5" name="页脚占位符 4">
             <a:extLst>
               <a:ext uri="{FF2B5EF4-FFF2-40B4-BE49-F238E27FC236}">
-                <a16:creationId xmlns:a16="http://schemas.microsoft.com/office/drawing/2014/main" id="{AD28FDCD-BA4E-3690-E2E7-EF8E86F6B395}"/>
+                <a16:creationId xmlns:a16="http://schemas.microsoft.com/office/drawing/2014/main" id="{AFD53CA6-7F68-8B74-1190-92DAB1719C88}"/>
               </a:ext>
             </a:extLst>
           </p:cNvPr>
@@ -696,7 +696,7 @@
           <p:cNvPr id="6" name="灯片编号占位符 5">
             <a:extLst>
               <a:ext uri="{FF2B5EF4-FFF2-40B4-BE49-F238E27FC236}">
-                <a16:creationId xmlns:a16="http://schemas.microsoft.com/office/drawing/2014/main" id="{12E194B3-E2BD-6236-DCA7-DCE0600286A5}"/>
+                <a16:creationId xmlns:a16="http://schemas.microsoft.com/office/drawing/2014/main" id="{D61C498F-E397-2987-471D-C8C7B2539503}"/>
               </a:ext>
             </a:extLst>
           </p:cNvPr>
@@ -712,7 +712,7 @@
           <a:bodyPr/>
           <a:lstStyle/>
           <a:p>
-            <a:fld id="{200C6571-7046-495A-B8EA-5004A30AE1D2}" type="slidenum">
+            <a:fld id="{80D53EFE-ED3A-44C4-9CB9-FD0494737942}" type="slidenum">
               <a:rPr lang="zh-CN" altLang="en-US" smtClean="0"/>
               <a:t>‹#›</a:t>
             </a:fld>
@@ -723,7 +723,7 @@
     </p:spTree>
     <p:extLst>
       <p:ext uri="{BB962C8B-B14F-4D97-AF65-F5344CB8AC3E}">
-        <p14:creationId xmlns:p14="http://schemas.microsoft.com/office/powerpoint/2010/main" val="2296536425"/>
+        <p14:creationId xmlns:p14="http://schemas.microsoft.com/office/powerpoint/2010/main" val="2151557987"/>
       </p:ext>
     </p:extLst>
   </p:cSld>
@@ -755,7 +755,7 @@
           <p:cNvPr id="2" name="标题 1">
             <a:extLst>
               <a:ext uri="{FF2B5EF4-FFF2-40B4-BE49-F238E27FC236}">
-                <a16:creationId xmlns:a16="http://schemas.microsoft.com/office/drawing/2014/main" id="{628924B7-9074-432B-F655-FA52D76BE65B}"/>
+                <a16:creationId xmlns:a16="http://schemas.microsoft.com/office/drawing/2014/main" id="{6E15C3C5-70BB-218C-08C3-E2C63AC7DA1E}"/>
               </a:ext>
             </a:extLst>
           </p:cNvPr>
@@ -783,7 +783,7 @@
           <p:cNvPr id="3" name="内容占位符 2">
             <a:extLst>
               <a:ext uri="{FF2B5EF4-FFF2-40B4-BE49-F238E27FC236}">
-                <a16:creationId xmlns:a16="http://schemas.microsoft.com/office/drawing/2014/main" id="{0675EDCD-0D7C-BE8A-36BF-CC63AEF57B3E}"/>
+                <a16:creationId xmlns:a16="http://schemas.microsoft.com/office/drawing/2014/main" id="{0BDC3220-1446-0036-595F-718A61165A0F}"/>
               </a:ext>
             </a:extLst>
           </p:cNvPr>
@@ -840,7 +840,7 @@
           <p:cNvPr id="4" name="日期占位符 3">
             <a:extLst>
               <a:ext uri="{FF2B5EF4-FFF2-40B4-BE49-F238E27FC236}">
-                <a16:creationId xmlns:a16="http://schemas.microsoft.com/office/drawing/2014/main" id="{52C67C63-2EFF-79CD-184A-6B4B573FFC57}"/>
+                <a16:creationId xmlns:a16="http://schemas.microsoft.com/office/drawing/2014/main" id="{03E7D697-0C00-A8A9-EA2C-AE3EFB5F65A4}"/>
               </a:ext>
             </a:extLst>
           </p:cNvPr>
@@ -856,7 +856,7 @@
           <a:bodyPr/>
           <a:lstStyle/>
           <a:p>
-            <a:fld id="{66925469-1A7D-4EE2-8C1D-45AADE839410}" type="datetimeFigureOut">
+            <a:fld id="{1A1BC113-6E59-4F1F-A915-DDCBC72443EC}" type="datetimeFigureOut">
               <a:rPr lang="zh-CN" altLang="en-US" smtClean="0"/>
               <a:t>2024/3/10</a:t>
             </a:fld>
@@ -869,7 +869,7 @@
           <p:cNvPr id="5" name="页脚占位符 4">
             <a:extLst>
               <a:ext uri="{FF2B5EF4-FFF2-40B4-BE49-F238E27FC236}">
-                <a16:creationId xmlns:a16="http://schemas.microsoft.com/office/drawing/2014/main" id="{4E3360EA-92AE-C547-6AF6-C309AB3D186A}"/>
+                <a16:creationId xmlns:a16="http://schemas.microsoft.com/office/drawing/2014/main" id="{EF121A3B-0FDE-EB5D-34EC-48BA612DACFB}"/>
               </a:ext>
             </a:extLst>
           </p:cNvPr>
@@ -894,7 +894,7 @@
           <p:cNvPr id="6" name="灯片编号占位符 5">
             <a:extLst>
               <a:ext uri="{FF2B5EF4-FFF2-40B4-BE49-F238E27FC236}">
-                <a16:creationId xmlns:a16="http://schemas.microsoft.com/office/drawing/2014/main" id="{A78135EE-8DC0-E55C-D460-C55827B708DE}"/>
+                <a16:creationId xmlns:a16="http://schemas.microsoft.com/office/drawing/2014/main" id="{A8765791-AB57-FCE0-729F-5DC31484342A}"/>
               </a:ext>
             </a:extLst>
           </p:cNvPr>
@@ -910,7 +910,7 @@
           <a:bodyPr/>
           <a:lstStyle/>
           <a:p>
-            <a:fld id="{200C6571-7046-495A-B8EA-5004A30AE1D2}" type="slidenum">
+            <a:fld id="{80D53EFE-ED3A-44C4-9CB9-FD0494737942}" type="slidenum">
               <a:rPr lang="zh-CN" altLang="en-US" smtClean="0"/>
               <a:t>‹#›</a:t>
             </a:fld>
@@ -921,7 +921,7 @@
     </p:spTree>
     <p:extLst>
       <p:ext uri="{BB962C8B-B14F-4D97-AF65-F5344CB8AC3E}">
-        <p14:creationId xmlns:p14="http://schemas.microsoft.com/office/powerpoint/2010/main" val="1280997250"/>
+        <p14:creationId xmlns:p14="http://schemas.microsoft.com/office/powerpoint/2010/main" val="1292034253"/>
       </p:ext>
     </p:extLst>
   </p:cSld>
@@ -953,7 +953,7 @@
           <p:cNvPr id="2" name="标题 1">
             <a:extLst>
               <a:ext uri="{FF2B5EF4-FFF2-40B4-BE49-F238E27FC236}">
-                <a16:creationId xmlns:a16="http://schemas.microsoft.com/office/drawing/2014/main" id="{57FC8113-16A2-6B1B-2F18-55CF6AF840FD}"/>
+                <a16:creationId xmlns:a16="http://schemas.microsoft.com/office/drawing/2014/main" id="{B684BB3D-F8B4-EBB6-C868-B420540AB0AB}"/>
               </a:ext>
             </a:extLst>
           </p:cNvPr>
@@ -990,7 +990,7 @@
           <p:cNvPr id="3" name="文本占位符 2">
             <a:extLst>
               <a:ext uri="{FF2B5EF4-FFF2-40B4-BE49-F238E27FC236}">
-                <a16:creationId xmlns:a16="http://schemas.microsoft.com/office/drawing/2014/main" id="{630338F9-B743-BB0B-8A2A-CCF99AA62715}"/>
+                <a16:creationId xmlns:a16="http://schemas.microsoft.com/office/drawing/2014/main" id="{A26FF15A-5160-99D9-8FF7-215956E79AB8}"/>
               </a:ext>
             </a:extLst>
           </p:cNvPr>
@@ -1115,7 +1115,7 @@
           <p:cNvPr id="4" name="日期占位符 3">
             <a:extLst>
               <a:ext uri="{FF2B5EF4-FFF2-40B4-BE49-F238E27FC236}">
-                <a16:creationId xmlns:a16="http://schemas.microsoft.com/office/drawing/2014/main" id="{DE745F39-9DAF-06F8-47ED-8669223143E0}"/>
+                <a16:creationId xmlns:a16="http://schemas.microsoft.com/office/drawing/2014/main" id="{8813EA7E-C1C8-80CE-3F2C-401CAA2CB7F3}"/>
               </a:ext>
             </a:extLst>
           </p:cNvPr>
@@ -1131,7 +1131,7 @@
           <a:bodyPr/>
           <a:lstStyle/>
           <a:p>
-            <a:fld id="{66925469-1A7D-4EE2-8C1D-45AADE839410}" type="datetimeFigureOut">
+            <a:fld id="{1A1BC113-6E59-4F1F-A915-DDCBC72443EC}" type="datetimeFigureOut">
               <a:rPr lang="zh-CN" altLang="en-US" smtClean="0"/>
               <a:t>2024/3/10</a:t>
             </a:fld>
@@ -1144,7 +1144,7 @@
           <p:cNvPr id="5" name="页脚占位符 4">
             <a:extLst>
               <a:ext uri="{FF2B5EF4-FFF2-40B4-BE49-F238E27FC236}">
-                <a16:creationId xmlns:a16="http://schemas.microsoft.com/office/drawing/2014/main" id="{44BE18F2-B51B-151B-93C9-C0461455B6A0}"/>
+                <a16:creationId xmlns:a16="http://schemas.microsoft.com/office/drawing/2014/main" id="{49FA5323-25C5-1801-0F36-8690326AE328}"/>
               </a:ext>
             </a:extLst>
           </p:cNvPr>
@@ -1169,7 +1169,7 @@
           <p:cNvPr id="6" name="灯片编号占位符 5">
             <a:extLst>
               <a:ext uri="{FF2B5EF4-FFF2-40B4-BE49-F238E27FC236}">
-                <a16:creationId xmlns:a16="http://schemas.microsoft.com/office/drawing/2014/main" id="{8BFE9235-5591-B1D2-B31E-F1DBEDA3A190}"/>
+                <a16:creationId xmlns:a16="http://schemas.microsoft.com/office/drawing/2014/main" id="{A6ADC86A-1754-1F96-D7C8-BB91CDB28863}"/>
               </a:ext>
             </a:extLst>
           </p:cNvPr>
@@ -1185,7 +1185,7 @@
           <a:bodyPr/>
           <a:lstStyle/>
           <a:p>
-            <a:fld id="{200C6571-7046-495A-B8EA-5004A30AE1D2}" type="slidenum">
+            <a:fld id="{80D53EFE-ED3A-44C4-9CB9-FD0494737942}" type="slidenum">
               <a:rPr lang="zh-CN" altLang="en-US" smtClean="0"/>
               <a:t>‹#›</a:t>
             </a:fld>
@@ -1196,7 +1196,7 @@
     </p:spTree>
     <p:extLst>
       <p:ext uri="{BB962C8B-B14F-4D97-AF65-F5344CB8AC3E}">
-        <p14:creationId xmlns:p14="http://schemas.microsoft.com/office/powerpoint/2010/main" val="3654106112"/>
+        <p14:creationId xmlns:p14="http://schemas.microsoft.com/office/powerpoint/2010/main" val="3091973034"/>
       </p:ext>
     </p:extLst>
   </p:cSld>
@@ -1228,7 +1228,7 @@
           <p:cNvPr id="2" name="标题 1">
             <a:extLst>
               <a:ext uri="{FF2B5EF4-FFF2-40B4-BE49-F238E27FC236}">
-                <a16:creationId xmlns:a16="http://schemas.microsoft.com/office/drawing/2014/main" id="{32BB9D3D-A31A-01E1-917D-1554B3D81B68}"/>
+                <a16:creationId xmlns:a16="http://schemas.microsoft.com/office/drawing/2014/main" id="{166B7210-E5C3-DFA7-EAA7-7C56D5F5ED43}"/>
               </a:ext>
             </a:extLst>
           </p:cNvPr>
@@ -1256,7 +1256,7 @@
           <p:cNvPr id="3" name="内容占位符 2">
             <a:extLst>
               <a:ext uri="{FF2B5EF4-FFF2-40B4-BE49-F238E27FC236}">
-                <a16:creationId xmlns:a16="http://schemas.microsoft.com/office/drawing/2014/main" id="{0E773DE9-DBCC-21FE-10F9-1278BDE54DBF}"/>
+                <a16:creationId xmlns:a16="http://schemas.microsoft.com/office/drawing/2014/main" id="{F017FDFC-11B7-F429-3011-6D86DDCE8168}"/>
               </a:ext>
             </a:extLst>
           </p:cNvPr>
@@ -1318,7 +1318,7 @@
           <p:cNvPr id="4" name="内容占位符 3">
             <a:extLst>
               <a:ext uri="{FF2B5EF4-FFF2-40B4-BE49-F238E27FC236}">
-                <a16:creationId xmlns:a16="http://schemas.microsoft.com/office/drawing/2014/main" id="{CDC1740C-4064-E391-ACCA-F80297AF1986}"/>
+                <a16:creationId xmlns:a16="http://schemas.microsoft.com/office/drawing/2014/main" id="{338BC1D0-87E7-C6DD-C479-87083A399810}"/>
               </a:ext>
             </a:extLst>
           </p:cNvPr>
@@ -1380,7 +1380,7 @@
           <p:cNvPr id="5" name="日期占位符 4">
             <a:extLst>
               <a:ext uri="{FF2B5EF4-FFF2-40B4-BE49-F238E27FC236}">
-                <a16:creationId xmlns:a16="http://schemas.microsoft.com/office/drawing/2014/main" id="{4670035F-9908-CE74-20FB-2698ECD545BE}"/>
+                <a16:creationId xmlns:a16="http://schemas.microsoft.com/office/drawing/2014/main" id="{3FFEB59E-8DE9-6D3F-23C5-7F3DDD2C0816}"/>
               </a:ext>
             </a:extLst>
           </p:cNvPr>
@@ -1396,7 +1396,7 @@
           <a:bodyPr/>
           <a:lstStyle/>
           <a:p>
-            <a:fld id="{66925469-1A7D-4EE2-8C1D-45AADE839410}" type="datetimeFigureOut">
+            <a:fld id="{1A1BC113-6E59-4F1F-A915-DDCBC72443EC}" type="datetimeFigureOut">
               <a:rPr lang="zh-CN" altLang="en-US" smtClean="0"/>
               <a:t>2024/3/10</a:t>
             </a:fld>
@@ -1409,7 +1409,7 @@
           <p:cNvPr id="6" name="页脚占位符 5">
             <a:extLst>
               <a:ext uri="{FF2B5EF4-FFF2-40B4-BE49-F238E27FC236}">
-                <a16:creationId xmlns:a16="http://schemas.microsoft.com/office/drawing/2014/main" id="{3FEAEFEE-487B-CCB5-E043-DDCDA062994D}"/>
+                <a16:creationId xmlns:a16="http://schemas.microsoft.com/office/drawing/2014/main" id="{BD8FC30A-5D4C-94C3-447B-D11A132BF54E}"/>
               </a:ext>
             </a:extLst>
           </p:cNvPr>
@@ -1434,7 +1434,7 @@
           <p:cNvPr id="7" name="灯片编号占位符 6">
             <a:extLst>
               <a:ext uri="{FF2B5EF4-FFF2-40B4-BE49-F238E27FC236}">
-                <a16:creationId xmlns:a16="http://schemas.microsoft.com/office/drawing/2014/main" id="{C1E4F15F-C05C-FBEA-925C-DD0F8422388C}"/>
+                <a16:creationId xmlns:a16="http://schemas.microsoft.com/office/drawing/2014/main" id="{48988259-2622-3132-9363-FB4056DDAE86}"/>
               </a:ext>
             </a:extLst>
           </p:cNvPr>
@@ -1450,7 +1450,7 @@
           <a:bodyPr/>
           <a:lstStyle/>
           <a:p>
-            <a:fld id="{200C6571-7046-495A-B8EA-5004A30AE1D2}" type="slidenum">
+            <a:fld id="{80D53EFE-ED3A-44C4-9CB9-FD0494737942}" type="slidenum">
               <a:rPr lang="zh-CN" altLang="en-US" smtClean="0"/>
               <a:t>‹#›</a:t>
             </a:fld>
@@ -1461,7 +1461,7 @@
     </p:spTree>
     <p:extLst>
       <p:ext uri="{BB962C8B-B14F-4D97-AF65-F5344CB8AC3E}">
-        <p14:creationId xmlns:p14="http://schemas.microsoft.com/office/powerpoint/2010/main" val="1403153226"/>
+        <p14:creationId xmlns:p14="http://schemas.microsoft.com/office/powerpoint/2010/main" val="357469160"/>
       </p:ext>
     </p:extLst>
   </p:cSld>
@@ -1493,7 +1493,7 @@
           <p:cNvPr id="2" name="标题 1">
             <a:extLst>
               <a:ext uri="{FF2B5EF4-FFF2-40B4-BE49-F238E27FC236}">
-                <a16:creationId xmlns:a16="http://schemas.microsoft.com/office/drawing/2014/main" id="{4472FF2C-EB26-1806-302E-87485AD7413C}"/>
+                <a16:creationId xmlns:a16="http://schemas.microsoft.com/office/drawing/2014/main" id="{87778125-2CD1-C998-662C-47A622AB5C08}"/>
               </a:ext>
             </a:extLst>
           </p:cNvPr>
@@ -1526,7 +1526,7 @@
           <p:cNvPr id="3" name="文本占位符 2">
             <a:extLst>
               <a:ext uri="{FF2B5EF4-FFF2-40B4-BE49-F238E27FC236}">
-                <a16:creationId xmlns:a16="http://schemas.microsoft.com/office/drawing/2014/main" id="{F70E4727-797E-17B3-41FB-4182BCE373C3}"/>
+                <a16:creationId xmlns:a16="http://schemas.microsoft.com/office/drawing/2014/main" id="{CCFFA645-8281-4FEA-3231-F39B1B35B35A}"/>
               </a:ext>
             </a:extLst>
           </p:cNvPr>
@@ -1597,7 +1597,7 @@
           <p:cNvPr id="4" name="内容占位符 3">
             <a:extLst>
               <a:ext uri="{FF2B5EF4-FFF2-40B4-BE49-F238E27FC236}">
-                <a16:creationId xmlns:a16="http://schemas.microsoft.com/office/drawing/2014/main" id="{C78CC5B3-DC05-9797-07DC-CBBF60D51BDE}"/>
+                <a16:creationId xmlns:a16="http://schemas.microsoft.com/office/drawing/2014/main" id="{0E43E9AD-0847-BE16-D824-701555424E9F}"/>
               </a:ext>
             </a:extLst>
           </p:cNvPr>
@@ -1659,7 +1659,7 @@
           <p:cNvPr id="5" name="文本占位符 4">
             <a:extLst>
               <a:ext uri="{FF2B5EF4-FFF2-40B4-BE49-F238E27FC236}">
-                <a16:creationId xmlns:a16="http://schemas.microsoft.com/office/drawing/2014/main" id="{B3F80071-E2F4-35F5-B49A-BDCD7CECABB0}"/>
+                <a16:creationId xmlns:a16="http://schemas.microsoft.com/office/drawing/2014/main" id="{7D06B808-F4B1-1BE0-891C-353F5AC5D7B6}"/>
               </a:ext>
             </a:extLst>
           </p:cNvPr>
@@ -1730,7 +1730,7 @@
           <p:cNvPr id="6" name="内容占位符 5">
             <a:extLst>
               <a:ext uri="{FF2B5EF4-FFF2-40B4-BE49-F238E27FC236}">
-                <a16:creationId xmlns:a16="http://schemas.microsoft.com/office/drawing/2014/main" id="{F499A595-6AFD-11C1-0AB2-7827DA38E20C}"/>
+                <a16:creationId xmlns:a16="http://schemas.microsoft.com/office/drawing/2014/main" id="{ED3FCD7B-287C-12BC-C630-C2CDD57D5164}"/>
               </a:ext>
             </a:extLst>
           </p:cNvPr>
@@ -1792,7 +1792,7 @@
           <p:cNvPr id="7" name="日期占位符 6">
             <a:extLst>
               <a:ext uri="{FF2B5EF4-FFF2-40B4-BE49-F238E27FC236}">
-                <a16:creationId xmlns:a16="http://schemas.microsoft.com/office/drawing/2014/main" id="{D2021098-3FBA-8B92-992A-113F62AC626D}"/>
+                <a16:creationId xmlns:a16="http://schemas.microsoft.com/office/drawing/2014/main" id="{82770AB6-BA28-B97D-4328-D078CE2C59BD}"/>
               </a:ext>
             </a:extLst>
           </p:cNvPr>
@@ -1808,7 +1808,7 @@
           <a:bodyPr/>
           <a:lstStyle/>
           <a:p>
-            <a:fld id="{66925469-1A7D-4EE2-8C1D-45AADE839410}" type="datetimeFigureOut">
+            <a:fld id="{1A1BC113-6E59-4F1F-A915-DDCBC72443EC}" type="datetimeFigureOut">
               <a:rPr lang="zh-CN" altLang="en-US" smtClean="0"/>
               <a:t>2024/3/10</a:t>
             </a:fld>
@@ -1821,7 +1821,7 @@
           <p:cNvPr id="8" name="页脚占位符 7">
             <a:extLst>
               <a:ext uri="{FF2B5EF4-FFF2-40B4-BE49-F238E27FC236}">
-                <a16:creationId xmlns:a16="http://schemas.microsoft.com/office/drawing/2014/main" id="{CF866986-C3AB-7101-7232-6EE90B08CC35}"/>
+                <a16:creationId xmlns:a16="http://schemas.microsoft.com/office/drawing/2014/main" id="{986551F0-DD0E-EA70-87B5-05292E88117F}"/>
               </a:ext>
             </a:extLst>
           </p:cNvPr>
@@ -1846,7 +1846,7 @@
           <p:cNvPr id="9" name="灯片编号占位符 8">
             <a:extLst>
               <a:ext uri="{FF2B5EF4-FFF2-40B4-BE49-F238E27FC236}">
-                <a16:creationId xmlns:a16="http://schemas.microsoft.com/office/drawing/2014/main" id="{3855F829-3FCB-6F24-4F31-66E99FF7D3FC}"/>
+                <a16:creationId xmlns:a16="http://schemas.microsoft.com/office/drawing/2014/main" id="{C726BC58-628E-0514-5B03-2C101527B45F}"/>
               </a:ext>
             </a:extLst>
           </p:cNvPr>
@@ -1862,7 +1862,7 @@
           <a:bodyPr/>
           <a:lstStyle/>
           <a:p>
-            <a:fld id="{200C6571-7046-495A-B8EA-5004A30AE1D2}" type="slidenum">
+            <a:fld id="{80D53EFE-ED3A-44C4-9CB9-FD0494737942}" type="slidenum">
               <a:rPr lang="zh-CN" altLang="en-US" smtClean="0"/>
               <a:t>‹#›</a:t>
             </a:fld>
@@ -1873,7 +1873,7 @@
     </p:spTree>
     <p:extLst>
       <p:ext uri="{BB962C8B-B14F-4D97-AF65-F5344CB8AC3E}">
-        <p14:creationId xmlns:p14="http://schemas.microsoft.com/office/powerpoint/2010/main" val="3068440496"/>
+        <p14:creationId xmlns:p14="http://schemas.microsoft.com/office/powerpoint/2010/main" val="1904488699"/>
       </p:ext>
     </p:extLst>
   </p:cSld>
@@ -1905,7 +1905,7 @@
           <p:cNvPr id="2" name="标题 1">
             <a:extLst>
               <a:ext uri="{FF2B5EF4-FFF2-40B4-BE49-F238E27FC236}">
-                <a16:creationId xmlns:a16="http://schemas.microsoft.com/office/drawing/2014/main" id="{884CD248-EFA4-ECB1-538B-802E2783C8C6}"/>
+                <a16:creationId xmlns:a16="http://schemas.microsoft.com/office/drawing/2014/main" id="{7C8712DB-BACF-F1BB-25D2-A39062DF8F22}"/>
               </a:ext>
             </a:extLst>
           </p:cNvPr>
@@ -1933,7 +1933,7 @@
           <p:cNvPr id="3" name="日期占位符 2">
             <a:extLst>
               <a:ext uri="{FF2B5EF4-FFF2-40B4-BE49-F238E27FC236}">
-                <a16:creationId xmlns:a16="http://schemas.microsoft.com/office/drawing/2014/main" id="{7548ADD9-C8C2-8B23-9BA2-0CA7C95DBC8A}"/>
+                <a16:creationId xmlns:a16="http://schemas.microsoft.com/office/drawing/2014/main" id="{6C6D6B48-AAD8-C150-59F5-211349C78346}"/>
               </a:ext>
             </a:extLst>
           </p:cNvPr>
@@ -1949,7 +1949,7 @@
           <a:bodyPr/>
           <a:lstStyle/>
           <a:p>
-            <a:fld id="{66925469-1A7D-4EE2-8C1D-45AADE839410}" type="datetimeFigureOut">
+            <a:fld id="{1A1BC113-6E59-4F1F-A915-DDCBC72443EC}" type="datetimeFigureOut">
               <a:rPr lang="zh-CN" altLang="en-US" smtClean="0"/>
               <a:t>2024/3/10</a:t>
             </a:fld>
@@ -1962,7 +1962,7 @@
           <p:cNvPr id="4" name="页脚占位符 3">
             <a:extLst>
               <a:ext uri="{FF2B5EF4-FFF2-40B4-BE49-F238E27FC236}">
-                <a16:creationId xmlns:a16="http://schemas.microsoft.com/office/drawing/2014/main" id="{A3B6FBB9-6F38-8281-8525-CCCAE3A85B13}"/>
+                <a16:creationId xmlns:a16="http://schemas.microsoft.com/office/drawing/2014/main" id="{5304674A-6862-F19D-4FA5-E5E34B07305E}"/>
               </a:ext>
             </a:extLst>
           </p:cNvPr>
@@ -1987,7 +1987,7 @@
           <p:cNvPr id="5" name="灯片编号占位符 4">
             <a:extLst>
               <a:ext uri="{FF2B5EF4-FFF2-40B4-BE49-F238E27FC236}">
-                <a16:creationId xmlns:a16="http://schemas.microsoft.com/office/drawing/2014/main" id="{8347C74B-4781-7F06-31E8-B22AB13F431D}"/>
+                <a16:creationId xmlns:a16="http://schemas.microsoft.com/office/drawing/2014/main" id="{7D1D094F-EC45-912A-4BE9-E0CD07321D35}"/>
               </a:ext>
             </a:extLst>
           </p:cNvPr>
@@ -2003,7 +2003,7 @@
           <a:bodyPr/>
           <a:lstStyle/>
           <a:p>
-            <a:fld id="{200C6571-7046-495A-B8EA-5004A30AE1D2}" type="slidenum">
+            <a:fld id="{80D53EFE-ED3A-44C4-9CB9-FD0494737942}" type="slidenum">
               <a:rPr lang="zh-CN" altLang="en-US" smtClean="0"/>
               <a:t>‹#›</a:t>
             </a:fld>
@@ -2014,7 +2014,7 @@
     </p:spTree>
     <p:extLst>
       <p:ext uri="{BB962C8B-B14F-4D97-AF65-F5344CB8AC3E}">
-        <p14:creationId xmlns:p14="http://schemas.microsoft.com/office/powerpoint/2010/main" val="4198997643"/>
+        <p14:creationId xmlns:p14="http://schemas.microsoft.com/office/powerpoint/2010/main" val="3492717838"/>
       </p:ext>
     </p:extLst>
   </p:cSld>
@@ -2046,7 +2046,7 @@
           <p:cNvPr id="2" name="日期占位符 1">
             <a:extLst>
               <a:ext uri="{FF2B5EF4-FFF2-40B4-BE49-F238E27FC236}">
-                <a16:creationId xmlns:a16="http://schemas.microsoft.com/office/drawing/2014/main" id="{79FEB93F-0810-066F-8923-2C906A654160}"/>
+                <a16:creationId xmlns:a16="http://schemas.microsoft.com/office/drawing/2014/main" id="{A83E02E8-4A1C-97EF-FF1F-AC3A80F2F390}"/>
               </a:ext>
             </a:extLst>
           </p:cNvPr>
@@ -2062,7 +2062,7 @@
           <a:bodyPr/>
           <a:lstStyle/>
           <a:p>
-            <a:fld id="{66925469-1A7D-4EE2-8C1D-45AADE839410}" type="datetimeFigureOut">
+            <a:fld id="{1A1BC113-6E59-4F1F-A915-DDCBC72443EC}" type="datetimeFigureOut">
               <a:rPr lang="zh-CN" altLang="en-US" smtClean="0"/>
               <a:t>2024/3/10</a:t>
             </a:fld>
@@ -2075,7 +2075,7 @@
           <p:cNvPr id="3" name="页脚占位符 2">
             <a:extLst>
               <a:ext uri="{FF2B5EF4-FFF2-40B4-BE49-F238E27FC236}">
-                <a16:creationId xmlns:a16="http://schemas.microsoft.com/office/drawing/2014/main" id="{1045B981-F327-9F80-0FD5-BD2CF6766890}"/>
+                <a16:creationId xmlns:a16="http://schemas.microsoft.com/office/drawing/2014/main" id="{C15B9E45-E275-1479-A526-362884552B88}"/>
               </a:ext>
             </a:extLst>
           </p:cNvPr>
@@ -2100,7 +2100,7 @@
           <p:cNvPr id="4" name="灯片编号占位符 3">
             <a:extLst>
               <a:ext uri="{FF2B5EF4-FFF2-40B4-BE49-F238E27FC236}">
-                <a16:creationId xmlns:a16="http://schemas.microsoft.com/office/drawing/2014/main" id="{510B26A0-D7F4-48E2-4F6A-39A16A134215}"/>
+                <a16:creationId xmlns:a16="http://schemas.microsoft.com/office/drawing/2014/main" id="{9B2A52E6-2E87-6D91-1905-B4DDF2382344}"/>
               </a:ext>
             </a:extLst>
           </p:cNvPr>
@@ -2116,7 +2116,7 @@
           <a:bodyPr/>
           <a:lstStyle/>
           <a:p>
-            <a:fld id="{200C6571-7046-495A-B8EA-5004A30AE1D2}" type="slidenum">
+            <a:fld id="{80D53EFE-ED3A-44C4-9CB9-FD0494737942}" type="slidenum">
               <a:rPr lang="zh-CN" altLang="en-US" smtClean="0"/>
               <a:t>‹#›</a:t>
             </a:fld>
@@ -2127,7 +2127,7 @@
     </p:spTree>
     <p:extLst>
       <p:ext uri="{BB962C8B-B14F-4D97-AF65-F5344CB8AC3E}">
-        <p14:creationId xmlns:p14="http://schemas.microsoft.com/office/powerpoint/2010/main" val="821537819"/>
+        <p14:creationId xmlns:p14="http://schemas.microsoft.com/office/powerpoint/2010/main" val="956971276"/>
       </p:ext>
     </p:extLst>
   </p:cSld>
@@ -2159,7 +2159,7 @@
           <p:cNvPr id="2" name="标题 1">
             <a:extLst>
               <a:ext uri="{FF2B5EF4-FFF2-40B4-BE49-F238E27FC236}">
-                <a16:creationId xmlns:a16="http://schemas.microsoft.com/office/drawing/2014/main" id="{0B1C3A37-F989-9869-5E73-CABE5451A35D}"/>
+                <a16:creationId xmlns:a16="http://schemas.microsoft.com/office/drawing/2014/main" id="{71421290-FAD1-5161-EAC9-E131C7266901}"/>
               </a:ext>
             </a:extLst>
           </p:cNvPr>
@@ -2196,7 +2196,7 @@
           <p:cNvPr id="3" name="内容占位符 2">
             <a:extLst>
               <a:ext uri="{FF2B5EF4-FFF2-40B4-BE49-F238E27FC236}">
-                <a16:creationId xmlns:a16="http://schemas.microsoft.com/office/drawing/2014/main" id="{BD128545-A1EA-4E13-CEB5-444504D8BA90}"/>
+                <a16:creationId xmlns:a16="http://schemas.microsoft.com/office/drawing/2014/main" id="{8382CE34-E348-12FA-EDC7-4AB4F0E8543A}"/>
               </a:ext>
             </a:extLst>
           </p:cNvPr>
@@ -2286,7 +2286,7 @@
           <p:cNvPr id="4" name="文本占位符 3">
             <a:extLst>
               <a:ext uri="{FF2B5EF4-FFF2-40B4-BE49-F238E27FC236}">
-                <a16:creationId xmlns:a16="http://schemas.microsoft.com/office/drawing/2014/main" id="{1D41F1E6-C70B-CA10-A3D9-C718B0BB6178}"/>
+                <a16:creationId xmlns:a16="http://schemas.microsoft.com/office/drawing/2014/main" id="{6A5BB262-FB9F-0C8E-A162-F662B205ED40}"/>
               </a:ext>
             </a:extLst>
           </p:cNvPr>
@@ -2357,7 +2357,7 @@
           <p:cNvPr id="5" name="日期占位符 4">
             <a:extLst>
               <a:ext uri="{FF2B5EF4-FFF2-40B4-BE49-F238E27FC236}">
-                <a16:creationId xmlns:a16="http://schemas.microsoft.com/office/drawing/2014/main" id="{189D85CB-5C23-3CAF-8D5B-34D1FE2F615E}"/>
+                <a16:creationId xmlns:a16="http://schemas.microsoft.com/office/drawing/2014/main" id="{BA351CFD-037C-B7A8-64D1-220646B24309}"/>
               </a:ext>
             </a:extLst>
           </p:cNvPr>
@@ -2373,7 +2373,7 @@
           <a:bodyPr/>
           <a:lstStyle/>
           <a:p>
-            <a:fld id="{66925469-1A7D-4EE2-8C1D-45AADE839410}" type="datetimeFigureOut">
+            <a:fld id="{1A1BC113-6E59-4F1F-A915-DDCBC72443EC}" type="datetimeFigureOut">
               <a:rPr lang="zh-CN" altLang="en-US" smtClean="0"/>
               <a:t>2024/3/10</a:t>
             </a:fld>
@@ -2386,7 +2386,7 @@
           <p:cNvPr id="6" name="页脚占位符 5">
             <a:extLst>
               <a:ext uri="{FF2B5EF4-FFF2-40B4-BE49-F238E27FC236}">
-                <a16:creationId xmlns:a16="http://schemas.microsoft.com/office/drawing/2014/main" id="{001846B2-1751-897E-A623-D8E72993797F}"/>
+                <a16:creationId xmlns:a16="http://schemas.microsoft.com/office/drawing/2014/main" id="{966B464D-94AC-6DBE-81ED-8F50394F2A7A}"/>
               </a:ext>
             </a:extLst>
           </p:cNvPr>
@@ -2411,7 +2411,7 @@
           <p:cNvPr id="7" name="灯片编号占位符 6">
             <a:extLst>
               <a:ext uri="{FF2B5EF4-FFF2-40B4-BE49-F238E27FC236}">
-                <a16:creationId xmlns:a16="http://schemas.microsoft.com/office/drawing/2014/main" id="{F5D96A72-BCC5-5597-2A82-942A199ABF93}"/>
+                <a16:creationId xmlns:a16="http://schemas.microsoft.com/office/drawing/2014/main" id="{F04269EC-3D28-B224-A76F-EFFB85908EB8}"/>
               </a:ext>
             </a:extLst>
           </p:cNvPr>
@@ -2427,7 +2427,7 @@
           <a:bodyPr/>
           <a:lstStyle/>
           <a:p>
-            <a:fld id="{200C6571-7046-495A-B8EA-5004A30AE1D2}" type="slidenum">
+            <a:fld id="{80D53EFE-ED3A-44C4-9CB9-FD0494737942}" type="slidenum">
               <a:rPr lang="zh-CN" altLang="en-US" smtClean="0"/>
               <a:t>‹#›</a:t>
             </a:fld>
@@ -2438,7 +2438,7 @@
     </p:spTree>
     <p:extLst>
       <p:ext uri="{BB962C8B-B14F-4D97-AF65-F5344CB8AC3E}">
-        <p14:creationId xmlns:p14="http://schemas.microsoft.com/office/powerpoint/2010/main" val="1953882907"/>
+        <p14:creationId xmlns:p14="http://schemas.microsoft.com/office/powerpoint/2010/main" val="853101611"/>
       </p:ext>
     </p:extLst>
   </p:cSld>
@@ -2470,7 +2470,7 @@
           <p:cNvPr id="2" name="标题 1">
             <a:extLst>
               <a:ext uri="{FF2B5EF4-FFF2-40B4-BE49-F238E27FC236}">
-                <a16:creationId xmlns:a16="http://schemas.microsoft.com/office/drawing/2014/main" id="{6E97A786-4C28-E96D-66E7-6E2C9DEB1D7E}"/>
+                <a16:creationId xmlns:a16="http://schemas.microsoft.com/office/drawing/2014/main" id="{46C1168C-1BDC-0B26-E154-B7FDDB9A35DE}"/>
               </a:ext>
             </a:extLst>
           </p:cNvPr>
@@ -2507,7 +2507,7 @@
           <p:cNvPr id="3" name="图片占位符 2">
             <a:extLst>
               <a:ext uri="{FF2B5EF4-FFF2-40B4-BE49-F238E27FC236}">
-                <a16:creationId xmlns:a16="http://schemas.microsoft.com/office/drawing/2014/main" id="{042678CB-F3C6-BC5D-930C-191601C9ECAE}"/>
+                <a16:creationId xmlns:a16="http://schemas.microsoft.com/office/drawing/2014/main" id="{D0262EE0-38E7-55BD-E83D-1F7AE7192D66}"/>
               </a:ext>
             </a:extLst>
           </p:cNvPr>
@@ -2574,7 +2574,7 @@
           <p:cNvPr id="4" name="文本占位符 3">
             <a:extLst>
               <a:ext uri="{FF2B5EF4-FFF2-40B4-BE49-F238E27FC236}">
-                <a16:creationId xmlns:a16="http://schemas.microsoft.com/office/drawing/2014/main" id="{D0960833-7124-F294-CC83-B305FA9727CD}"/>
+                <a16:creationId xmlns:a16="http://schemas.microsoft.com/office/drawing/2014/main" id="{75E623A7-E91F-7BBB-F9D3-50E637FBA7FF}"/>
               </a:ext>
             </a:extLst>
           </p:cNvPr>
@@ -2645,7 +2645,7 @@
           <p:cNvPr id="5" name="日期占位符 4">
             <a:extLst>
               <a:ext uri="{FF2B5EF4-FFF2-40B4-BE49-F238E27FC236}">
-                <a16:creationId xmlns:a16="http://schemas.microsoft.com/office/drawing/2014/main" id="{E345694A-DB33-E005-3BA6-713A6E634164}"/>
+                <a16:creationId xmlns:a16="http://schemas.microsoft.com/office/drawing/2014/main" id="{46D48AD5-6124-4AAB-0563-D4E59645CF22}"/>
               </a:ext>
             </a:extLst>
           </p:cNvPr>
@@ -2661,7 +2661,7 @@
           <a:bodyPr/>
           <a:lstStyle/>
           <a:p>
-            <a:fld id="{66925469-1A7D-4EE2-8C1D-45AADE839410}" type="datetimeFigureOut">
+            <a:fld id="{1A1BC113-6E59-4F1F-A915-DDCBC72443EC}" type="datetimeFigureOut">
               <a:rPr lang="zh-CN" altLang="en-US" smtClean="0"/>
               <a:t>2024/3/10</a:t>
             </a:fld>
@@ -2674,7 +2674,7 @@
           <p:cNvPr id="6" name="页脚占位符 5">
             <a:extLst>
               <a:ext uri="{FF2B5EF4-FFF2-40B4-BE49-F238E27FC236}">
-                <a16:creationId xmlns:a16="http://schemas.microsoft.com/office/drawing/2014/main" id="{5DEA37E5-5C8E-C9C7-26C3-7253548435FC}"/>
+                <a16:creationId xmlns:a16="http://schemas.microsoft.com/office/drawing/2014/main" id="{CA4F1E93-8DEC-2C66-875F-090D6BF08DC9}"/>
               </a:ext>
             </a:extLst>
           </p:cNvPr>
@@ -2699,7 +2699,7 @@
           <p:cNvPr id="7" name="灯片编号占位符 6">
             <a:extLst>
               <a:ext uri="{FF2B5EF4-FFF2-40B4-BE49-F238E27FC236}">
-                <a16:creationId xmlns:a16="http://schemas.microsoft.com/office/drawing/2014/main" id="{D90519F4-6FDF-5262-4CD7-D90411845542}"/>
+                <a16:creationId xmlns:a16="http://schemas.microsoft.com/office/drawing/2014/main" id="{813FAABC-8FDA-B2DE-1ED7-B97A7CB03FFE}"/>
               </a:ext>
             </a:extLst>
           </p:cNvPr>
@@ -2715,7 +2715,7 @@
           <a:bodyPr/>
           <a:lstStyle/>
           <a:p>
-            <a:fld id="{200C6571-7046-495A-B8EA-5004A30AE1D2}" type="slidenum">
+            <a:fld id="{80D53EFE-ED3A-44C4-9CB9-FD0494737942}" type="slidenum">
               <a:rPr lang="zh-CN" altLang="en-US" smtClean="0"/>
               <a:t>‹#›</a:t>
             </a:fld>
@@ -2726,7 +2726,7 @@
     </p:spTree>
     <p:extLst>
       <p:ext uri="{BB962C8B-B14F-4D97-AF65-F5344CB8AC3E}">
-        <p14:creationId xmlns:p14="http://schemas.microsoft.com/office/powerpoint/2010/main" val="730332366"/>
+        <p14:creationId xmlns:p14="http://schemas.microsoft.com/office/powerpoint/2010/main" val="241197372"/>
       </p:ext>
     </p:extLst>
   </p:cSld>
@@ -2763,7 +2763,7 @@
           <p:cNvPr id="2" name="标题占位符 1">
             <a:extLst>
               <a:ext uri="{FF2B5EF4-FFF2-40B4-BE49-F238E27FC236}">
-                <a16:creationId xmlns:a16="http://schemas.microsoft.com/office/drawing/2014/main" id="{43BA50C4-EAD9-AA46-2DE5-282CD205D1CD}"/>
+                <a16:creationId xmlns:a16="http://schemas.microsoft.com/office/drawing/2014/main" id="{1BB067A3-F217-BD80-3558-3D7F779EF0EC}"/>
               </a:ext>
             </a:extLst>
           </p:cNvPr>
@@ -2801,7 +2801,7 @@
           <p:cNvPr id="3" name="文本占位符 2">
             <a:extLst>
               <a:ext uri="{FF2B5EF4-FFF2-40B4-BE49-F238E27FC236}">
-                <a16:creationId xmlns:a16="http://schemas.microsoft.com/office/drawing/2014/main" id="{993D2D68-F8ED-E398-0CE7-37D9B739F5A4}"/>
+                <a16:creationId xmlns:a16="http://schemas.microsoft.com/office/drawing/2014/main" id="{C91ED0D1-4E1F-026E-C4D8-649ACDF056CD}"/>
               </a:ext>
             </a:extLst>
           </p:cNvPr>
@@ -2868,7 +2868,7 @@
           <p:cNvPr id="4" name="日期占位符 3">
             <a:extLst>
               <a:ext uri="{FF2B5EF4-FFF2-40B4-BE49-F238E27FC236}">
-                <a16:creationId xmlns:a16="http://schemas.microsoft.com/office/drawing/2014/main" id="{03E782F9-B064-BE3E-BB0D-78D7A916A2EF}"/>
+                <a16:creationId xmlns:a16="http://schemas.microsoft.com/office/drawing/2014/main" id="{365F355E-1A42-FF56-3710-797E655C63F4}"/>
               </a:ext>
             </a:extLst>
           </p:cNvPr>
@@ -2902,7 +2902,7 @@
             </a:lvl1pPr>
           </a:lstStyle>
           <a:p>
-            <a:fld id="{66925469-1A7D-4EE2-8C1D-45AADE839410}" type="datetimeFigureOut">
+            <a:fld id="{1A1BC113-6E59-4F1F-A915-DDCBC72443EC}" type="datetimeFigureOut">
               <a:rPr lang="zh-CN" altLang="en-US" smtClean="0"/>
               <a:t>2024/3/10</a:t>
             </a:fld>
@@ -2915,7 +2915,7 @@
           <p:cNvPr id="5" name="页脚占位符 4">
             <a:extLst>
               <a:ext uri="{FF2B5EF4-FFF2-40B4-BE49-F238E27FC236}">
-                <a16:creationId xmlns:a16="http://schemas.microsoft.com/office/drawing/2014/main" id="{6CD11586-6023-F675-64C6-D1DC436FD010}"/>
+                <a16:creationId xmlns:a16="http://schemas.microsoft.com/office/drawing/2014/main" id="{326BD198-88DF-B5A1-74CB-69FD3760B70F}"/>
               </a:ext>
             </a:extLst>
           </p:cNvPr>
@@ -2958,7 +2958,7 @@
           <p:cNvPr id="6" name="灯片编号占位符 5">
             <a:extLst>
               <a:ext uri="{FF2B5EF4-FFF2-40B4-BE49-F238E27FC236}">
-                <a16:creationId xmlns:a16="http://schemas.microsoft.com/office/drawing/2014/main" id="{075F75F8-2C3F-C2B2-00C6-C8F93A1201DF}"/>
+                <a16:creationId xmlns:a16="http://schemas.microsoft.com/office/drawing/2014/main" id="{DBC63AB8-5821-43EB-0B04-5C8815690D8D}"/>
               </a:ext>
             </a:extLst>
           </p:cNvPr>
@@ -2992,7 +2992,7 @@
             </a:lvl1pPr>
           </a:lstStyle>
           <a:p>
-            <a:fld id="{200C6571-7046-495A-B8EA-5004A30AE1D2}" type="slidenum">
+            <a:fld id="{80D53EFE-ED3A-44C4-9CB9-FD0494737942}" type="slidenum">
               <a:rPr lang="zh-CN" altLang="en-US" smtClean="0"/>
               <a:t>‹#›</a:t>
             </a:fld>
@@ -3003,7 +3003,7 @@
     </p:spTree>
     <p:extLst>
       <p:ext uri="{BB962C8B-B14F-4D97-AF65-F5344CB8AC3E}">
-        <p14:creationId xmlns:p14="http://schemas.microsoft.com/office/powerpoint/2010/main" val="3287657584"/>
+        <p14:creationId xmlns:p14="http://schemas.microsoft.com/office/powerpoint/2010/main" val="3587068755"/>
       </p:ext>
     </p:extLst>
   </p:cSld>
